--- a/REPO_MarksCodeAndPPTs/DotNetPPTs/dotnetWeek3Ppts/D15_.NET_TagHelpers.pptx
+++ b/REPO_MarksCodeAndPPTs/DotNetPPTs/dotnetWeek3Ppts/D15_.NET_TagHelpers.pptx
@@ -374,7 +374,7 @@
           <a:p>
             <a:fld id="{9184DA70-C731-4C70-880D-CCD4705E623C}" type="datetime1">
               <a:rPr lang="en-US" smtClean="0"/>
-              <a:t>3/28/2020</a:t>
+              <a:t>3/31/2020</a:t>
             </a:fld>
             <a:endParaRPr lang="en-US" dirty="0"/>
           </a:p>
@@ -562,7 +562,7 @@
           <a:p>
             <a:fld id="{B612A279-0833-481D-8C56-F67FD0AC6C50}" type="datetime1">
               <a:rPr lang="en-US" smtClean="0"/>
-              <a:t>3/28/2020</a:t>
+              <a:t>3/31/2020</a:t>
             </a:fld>
             <a:endParaRPr lang="en-US" dirty="0"/>
           </a:p>
@@ -804,7 +804,7 @@
           <a:p>
             <a:fld id="{6587DA83-5663-4C9C-B9AA-0B40A3DAFF81}" type="datetime1">
               <a:rPr lang="en-US" smtClean="0"/>
-              <a:t>3/28/2020</a:t>
+              <a:t>3/31/2020</a:t>
             </a:fld>
             <a:endParaRPr lang="en-US" dirty="0"/>
           </a:p>
@@ -992,7 +992,7 @@
           <a:p>
             <a:fld id="{4BE1D723-8F53-4F53-90B0-1982A396982E}" type="datetime1">
               <a:rPr lang="en-US" smtClean="0"/>
-              <a:t>3/28/2020</a:t>
+              <a:t>3/31/2020</a:t>
             </a:fld>
             <a:endParaRPr lang="en-US" dirty="0"/>
           </a:p>
@@ -1365,7 +1365,7 @@
           <a:p>
             <a:fld id="{97669AF7-7BEB-44E4-9852-375E34362B5B}" type="datetime1">
               <a:rPr lang="en-US" smtClean="0"/>
-              <a:t>3/28/2020</a:t>
+              <a:t>3/31/2020</a:t>
             </a:fld>
             <a:endParaRPr lang="en-US" dirty="0"/>
           </a:p>
@@ -1620,7 +1620,7 @@
           <a:p>
             <a:fld id="{BAAAC38D-0552-4C82-B593-E6124DFADBE2}" type="datetime1">
               <a:rPr lang="en-US" smtClean="0"/>
-              <a:t>3/28/2020</a:t>
+              <a:t>3/31/2020</a:t>
             </a:fld>
             <a:endParaRPr lang="en-US" dirty="0"/>
           </a:p>
@@ -2017,7 +2017,7 @@
           <a:p>
             <a:fld id="{D9DF0F1C-5577-4ACB-BB62-DF8F3C494C7E}" type="datetime1">
               <a:rPr lang="en-US" smtClean="0"/>
-              <a:t>3/28/2020</a:t>
+              <a:t>3/31/2020</a:t>
             </a:fld>
             <a:endParaRPr lang="en-US" dirty="0"/>
           </a:p>
@@ -2153,7 +2153,7 @@
           <a:p>
             <a:fld id="{1775B394-D9F9-4F0C-B15D-605F45CB9E9F}" type="datetime1">
               <a:rPr lang="en-US" smtClean="0"/>
-              <a:t>3/28/2020</a:t>
+              <a:t>3/31/2020</a:t>
             </a:fld>
             <a:endParaRPr lang="en-US" dirty="0"/>
           </a:p>
@@ -2310,7 +2310,7 @@
           <a:p>
             <a:fld id="{39667345-2558-425A-8533-9BFDBCE15005}" type="datetime1">
               <a:rPr lang="en-US" smtClean="0"/>
-              <a:t>3/28/2020</a:t>
+              <a:t>3/31/2020</a:t>
             </a:fld>
             <a:endParaRPr lang="en-US" dirty="0"/>
           </a:p>
@@ -2639,7 +2639,7 @@
           <a:p>
             <a:fld id="{92BEA474-078D-4E9B-9B14-09A87B19DC46}" type="datetime1">
               <a:rPr lang="en-US" smtClean="0"/>
-              <a:t>3/28/2020</a:t>
+              <a:t>3/31/2020</a:t>
             </a:fld>
             <a:endParaRPr lang="en-US" dirty="0"/>
           </a:p>
@@ -2989,7 +2989,7 @@
           <a:p>
             <a:fld id="{4907D986-8816-4272-A432-0437A28A9828}" type="datetime1">
               <a:rPr lang="en-US" smtClean="0"/>
-              <a:t>3/28/2020</a:t>
+              <a:t>3/31/2020</a:t>
             </a:fld>
             <a:endParaRPr lang="en-US" dirty="0"/>
           </a:p>
@@ -3250,7 +3250,7 @@
           <a:p>
             <a:fld id="{62D6E202-B606-4609-B914-27C9371A1F6D}" type="datetime1">
               <a:rPr lang="en-US" smtClean="0"/>
-              <a:t>3/28/2020</a:t>
+              <a:t>3/31/2020</a:t>
             </a:fld>
             <a:endParaRPr lang="en-US" dirty="0"/>
           </a:p>
@@ -4113,7 +4113,7 @@
             </a:pPr>
             <a:r>
               <a:rPr lang="en-US" sz="2400" dirty="0"/>
-              <a:t>The &lt;a&gt; TAG Helper is equal to </a:t>
+              <a:t>The &lt;a&gt; Tag Helper is equal to </a:t>
             </a:r>
             <a:r>
               <a:rPr lang="en-US" sz="2400" b="1" i="1" dirty="0" err="1"/>
@@ -5938,7 +5938,7 @@
           <p:nvPr>
             <p:extLst>
               <p:ext uri="{D42A27DB-BD31-4B8C-83A1-F6EECF244321}">
-                <p14:modId xmlns:p14="http://schemas.microsoft.com/office/powerpoint/2010/main" val="213404560"/>
+                <p14:modId xmlns:p14="http://schemas.microsoft.com/office/powerpoint/2010/main" val="3902171579"/>
               </p:ext>
             </p:extLst>
           </p:nvPr>
@@ -6045,7 +6045,7 @@
                     <a:p>
                       <a:r>
                         <a:rPr lang="en-US" sz="2000" dirty="0"/>
-                        <a:t>y = </a:t>
+                        <a:t>= </a:t>
                       </a:r>
                       <a:r>
                         <a:rPr lang="en-US" sz="2000" dirty="0" err="1"/>
